--- a/opc-ua-examples.pptx
+++ b/opc-ua-examples.pptx
@@ -9,8 +9,10 @@
     <p:sldId id="257" r:id="rId3"/>
     <p:sldId id="258" r:id="rId4"/>
     <p:sldId id="259" r:id="rId5"/>
-    <p:sldId id="260" r:id="rId6"/>
-    <p:sldId id="261" r:id="rId7"/>
+    <p:sldId id="262" r:id="rId6"/>
+    <p:sldId id="263" r:id="rId7"/>
+    <p:sldId id="260" r:id="rId8"/>
+    <p:sldId id="261" r:id="rId9"/>
   </p:sldIdLst>
   <p:sldSz cx="12192000" cy="6858000"/>
   <p:notesSz cx="6858000" cy="9144000"/>
@@ -115,7 +117,7 @@
 <file path=ppt/revisionInfo.xml><?xml version="1.0" encoding="utf-8"?>
 <p1510:revInfo xmlns:a="http://schemas.openxmlformats.org/drawingml/2006/main" xmlns:r="http://schemas.openxmlformats.org/officeDocument/2006/relationships" xmlns:p1510="http://schemas.microsoft.com/office/powerpoint/2015/10/main">
   <p1510:revLst>
-    <p1510:client id="{7157E33A-98E7-EE43-A285-C4753668F747}" v="10" dt="2021-06-14T14:24:04.816"/>
+    <p1510:client id="{7157E33A-98E7-EE43-A285-C4753668F747}" v="13" dt="2021-06-17T16:25:20.070"/>
   </p1510:revLst>
 </p1510:revInfo>
 </file>
@@ -4466,6 +4468,463 @@
           <p:cNvPr id="2" name="Title 1">
             <a:extLst>
               <a:ext uri="{FF2B5EF4-FFF2-40B4-BE49-F238E27FC236}">
+                <a16:creationId xmlns:a16="http://schemas.microsoft.com/office/drawing/2014/main" id="{323190D1-E561-9348-8BE1-5C1019695497}"/>
+              </a:ext>
+            </a:extLst>
+          </p:cNvPr>
+          <p:cNvSpPr>
+            <a:spLocks noGrp="1"/>
+          </p:cNvSpPr>
+          <p:nvPr>
+            <p:ph type="title"/>
+          </p:nvPr>
+        </p:nvSpPr>
+        <p:spPr/>
+        <p:txBody>
+          <a:bodyPr/>
+          <a:lstStyle/>
+          <a:p>
+            <a:r>
+              <a:rPr lang="en-CN" dirty="0"/>
+              <a:t>Cl</a:t>
+            </a:r>
+            <a:r>
+              <a:rPr lang="en-US" altLang="zh-CN" dirty="0" err="1"/>
+              <a:t>ient</a:t>
+            </a:r>
+            <a:endParaRPr lang="en-CN" dirty="0"/>
+          </a:p>
+        </p:txBody>
+      </p:sp>
+      <p:sp>
+        <p:nvSpPr>
+          <p:cNvPr id="3" name="Content Placeholder 2">
+            <a:extLst>
+              <a:ext uri="{FF2B5EF4-FFF2-40B4-BE49-F238E27FC236}">
+                <a16:creationId xmlns:a16="http://schemas.microsoft.com/office/drawing/2014/main" id="{56D3FF9F-DE1A-7940-8AF0-24DDD77E49A7}"/>
+              </a:ext>
+            </a:extLst>
+          </p:cNvPr>
+          <p:cNvSpPr>
+            <a:spLocks noGrp="1"/>
+          </p:cNvSpPr>
+          <p:nvPr>
+            <p:ph idx="1"/>
+          </p:nvPr>
+        </p:nvSpPr>
+        <p:spPr/>
+        <p:txBody>
+          <a:bodyPr/>
+          <a:lstStyle/>
+          <a:p>
+            <a:r>
+              <a:rPr lang="en-US" altLang="zh-CN" dirty="0"/>
+              <a:t>Read</a:t>
+            </a:r>
+            <a:r>
+              <a:rPr lang="zh-CN" altLang="en-US" dirty="0"/>
+              <a:t> </a:t>
+            </a:r>
+            <a:r>
+              <a:rPr lang="en-US" altLang="zh-CN" dirty="0"/>
+              <a:t>from</a:t>
+            </a:r>
+            <a:r>
+              <a:rPr lang="zh-CN" altLang="en-US" dirty="0"/>
+              <a:t> </a:t>
+            </a:r>
+            <a:r>
+              <a:rPr lang="en-US" altLang="zh-CN" dirty="0"/>
+              <a:t>OPC</a:t>
+            </a:r>
+            <a:r>
+              <a:rPr lang="zh-CN" altLang="en-US" dirty="0"/>
+              <a:t> </a:t>
+            </a:r>
+            <a:r>
+              <a:rPr lang="en-US" altLang="zh-CN" dirty="0"/>
+              <a:t>UA</a:t>
+            </a:r>
+          </a:p>
+          <a:p>
+            <a:r>
+              <a:rPr lang="en-US" altLang="zh-CN" dirty="0"/>
+              <a:t>Store/Process</a:t>
+            </a:r>
+            <a:endParaRPr lang="en-CN" dirty="0"/>
+          </a:p>
+        </p:txBody>
+      </p:sp>
+    </p:spTree>
+    <p:extLst>
+      <p:ext uri="{BB962C8B-B14F-4D97-AF65-F5344CB8AC3E}">
+        <p14:creationId xmlns:p14="http://schemas.microsoft.com/office/powerpoint/2010/main" val="3249511017"/>
+      </p:ext>
+    </p:extLst>
+  </p:cSld>
+  <p:clrMapOvr>
+    <a:masterClrMapping/>
+  </p:clrMapOvr>
+</p:sld>
+</file>
+
+<file path=ppt/slides/slide6.xml><?xml version="1.0" encoding="utf-8"?>
+<p:sld xmlns:a="http://schemas.openxmlformats.org/drawingml/2006/main" xmlns:r="http://schemas.openxmlformats.org/officeDocument/2006/relationships" xmlns:p="http://schemas.openxmlformats.org/presentationml/2006/main">
+  <p:cSld>
+    <p:spTree>
+      <p:nvGrpSpPr>
+        <p:cNvPr id="1" name=""/>
+        <p:cNvGrpSpPr/>
+        <p:nvPr/>
+      </p:nvGrpSpPr>
+      <p:grpSpPr>
+        <a:xfrm>
+          <a:off x="0" y="0"/>
+          <a:ext cx="0" cy="0"/>
+          <a:chOff x="0" y="0"/>
+          <a:chExt cx="0" cy="0"/>
+        </a:xfrm>
+      </p:grpSpPr>
+      <p:sp>
+        <p:nvSpPr>
+          <p:cNvPr id="3" name="Content Placeholder 2">
+            <a:extLst>
+              <a:ext uri="{FF2B5EF4-FFF2-40B4-BE49-F238E27FC236}">
+                <a16:creationId xmlns:a16="http://schemas.microsoft.com/office/drawing/2014/main" id="{FB778385-BACD-E747-B0F6-793C9836744C}"/>
+              </a:ext>
+            </a:extLst>
+          </p:cNvPr>
+          <p:cNvSpPr>
+            <a:spLocks noGrp="1"/>
+          </p:cNvSpPr>
+          <p:nvPr>
+            <p:ph idx="1"/>
+          </p:nvPr>
+        </p:nvSpPr>
+        <p:spPr>
+          <a:xfrm>
+            <a:off x="364067" y="606424"/>
+            <a:ext cx="10329333" cy="5489575"/>
+          </a:xfrm>
+        </p:spPr>
+        <p:txBody>
+          <a:bodyPr>
+            <a:noAutofit/>
+          </a:bodyPr>
+          <a:lstStyle/>
+          <a:p>
+            <a:pPr marL="0" indent="0">
+              <a:buNone/>
+            </a:pPr>
+            <a:r>
+              <a:rPr lang="en-US" sz="1200" dirty="0" err="1"/>
+              <a:t>url</a:t>
+            </a:r>
+            <a:r>
+              <a:rPr lang="en-US" sz="1200" dirty="0"/>
+              <a:t> = "</a:t>
+            </a:r>
+            <a:r>
+              <a:rPr lang="en-US" sz="1200" dirty="0" err="1"/>
+              <a:t>opc.tcp</a:t>
+            </a:r>
+            <a:r>
+              <a:rPr lang="en-US" sz="1200" dirty="0"/>
+              <a:t>://127.0.0.1:4840"</a:t>
+            </a:r>
+          </a:p>
+          <a:p>
+            <a:pPr marL="0" indent="0">
+              <a:buNone/>
+            </a:pPr>
+            <a:br>
+              <a:rPr lang="en-US" sz="1200" dirty="0"/>
+            </a:br>
+            <a:r>
+              <a:rPr lang="en-US" sz="1200" dirty="0"/>
+              <a:t>client = Client(</a:t>
+            </a:r>
+            <a:r>
+              <a:rPr lang="en-US" sz="1200" dirty="0" err="1"/>
+              <a:t>url</a:t>
+            </a:r>
+            <a:r>
+              <a:rPr lang="en-US" sz="1200" dirty="0"/>
+              <a:t>)</a:t>
+            </a:r>
+          </a:p>
+          <a:p>
+            <a:pPr marL="0" indent="0">
+              <a:buNone/>
+            </a:pPr>
+            <a:br>
+              <a:rPr lang="en-US" sz="1200" dirty="0"/>
+            </a:br>
+            <a:r>
+              <a:rPr lang="en-US" sz="1200" dirty="0" err="1"/>
+              <a:t>client.connect</a:t>
+            </a:r>
+            <a:r>
+              <a:rPr lang="en-US" sz="1200" dirty="0"/>
+              <a:t>()</a:t>
+            </a:r>
+          </a:p>
+          <a:p>
+            <a:pPr marL="0" indent="0">
+              <a:buNone/>
+            </a:pPr>
+            <a:endParaRPr lang="en-CN" sz="1200" dirty="0"/>
+          </a:p>
+          <a:p>
+            <a:pPr marL="0" indent="0">
+              <a:buNone/>
+            </a:pPr>
+            <a:r>
+              <a:rPr lang="en-US" sz="1200" dirty="0" err="1"/>
+              <a:t>node_temp</a:t>
+            </a:r>
+            <a:r>
+              <a:rPr lang="en-US" sz="1200" dirty="0"/>
+              <a:t> = </a:t>
+            </a:r>
+            <a:r>
+              <a:rPr lang="en-US" sz="1200" dirty="0" err="1"/>
+              <a:t>client.get_node</a:t>
+            </a:r>
+            <a:r>
+              <a:rPr lang="en-US" sz="1200" dirty="0"/>
+              <a:t>("ns=2;i=2")</a:t>
+            </a:r>
+          </a:p>
+          <a:p>
+            <a:pPr marL="0" indent="0">
+              <a:buNone/>
+            </a:pPr>
+            <a:r>
+              <a:rPr lang="en-US" sz="1200" dirty="0" err="1"/>
+              <a:t>node_pressure</a:t>
+            </a:r>
+            <a:r>
+              <a:rPr lang="en-US" sz="1200" dirty="0"/>
+              <a:t> = </a:t>
+            </a:r>
+            <a:r>
+              <a:rPr lang="en-US" sz="1200" dirty="0" err="1"/>
+              <a:t>client.get_node</a:t>
+            </a:r>
+            <a:r>
+              <a:rPr lang="en-US" sz="1200" dirty="0"/>
+              <a:t>("ns=2;i=3")</a:t>
+            </a:r>
+          </a:p>
+          <a:p>
+            <a:pPr marL="0" indent="0">
+              <a:buNone/>
+            </a:pPr>
+            <a:r>
+              <a:rPr lang="en-US" sz="1200" dirty="0" err="1"/>
+              <a:t>node_time</a:t>
+            </a:r>
+            <a:r>
+              <a:rPr lang="en-US" sz="1200" dirty="0"/>
+              <a:t> = </a:t>
+            </a:r>
+            <a:r>
+              <a:rPr lang="en-US" sz="1200" dirty="0" err="1"/>
+              <a:t>client.get_node</a:t>
+            </a:r>
+            <a:r>
+              <a:rPr lang="en-US" sz="1200" dirty="0"/>
+              <a:t>("ns=2;i=4")</a:t>
+            </a:r>
+          </a:p>
+          <a:p>
+            <a:pPr marL="0" indent="0">
+              <a:buNone/>
+            </a:pPr>
+            <a:br>
+              <a:rPr lang="en-US" sz="1200" dirty="0"/>
+            </a:br>
+            <a:r>
+              <a:rPr lang="en-US" sz="1200" dirty="0"/>
+              <a:t>Temperature = </a:t>
+            </a:r>
+            <a:r>
+              <a:rPr lang="en-US" sz="1200" dirty="0" err="1"/>
+              <a:t>node_temp.get_value</a:t>
+            </a:r>
+            <a:r>
+              <a:rPr lang="en-US" sz="1200" dirty="0"/>
+              <a:t>()</a:t>
+            </a:r>
+          </a:p>
+          <a:p>
+            <a:pPr marL="0" indent="0">
+              <a:buNone/>
+            </a:pPr>
+            <a:r>
+              <a:rPr lang="en-US" sz="1200" dirty="0"/>
+              <a:t>Pressure = </a:t>
+            </a:r>
+            <a:r>
+              <a:rPr lang="en-US" sz="1200" dirty="0" err="1"/>
+              <a:t>node_pressure.get_value</a:t>
+            </a:r>
+            <a:r>
+              <a:rPr lang="en-US" sz="1200" dirty="0"/>
+              <a:t>()</a:t>
+            </a:r>
+          </a:p>
+          <a:p>
+            <a:pPr marL="0" indent="0">
+              <a:buNone/>
+            </a:pPr>
+            <a:r>
+              <a:rPr lang="en-US" sz="1200" dirty="0"/>
+              <a:t>Time = </a:t>
+            </a:r>
+            <a:r>
+              <a:rPr lang="en-US" sz="1200" dirty="0" err="1"/>
+              <a:t>node_time.get_value</a:t>
+            </a:r>
+            <a:r>
+              <a:rPr lang="en-US" sz="1200" dirty="0"/>
+              <a:t>()</a:t>
+            </a:r>
+          </a:p>
+          <a:p>
+            <a:pPr marL="0" indent="0">
+              <a:buNone/>
+            </a:pPr>
+            <a:br>
+              <a:rPr lang="en-US" sz="1200" dirty="0"/>
+            </a:br>
+            <a:r>
+              <a:rPr lang="en-US" sz="1200" dirty="0"/>
+              <a:t>print(</a:t>
+            </a:r>
+            <a:r>
+              <a:rPr lang="en-US" sz="1200" dirty="0" err="1"/>
+              <a:t>Temperature,Pressure,Time</a:t>
+            </a:r>
+            <a:r>
+              <a:rPr lang="en-US" sz="1200" dirty="0"/>
+              <a:t>)</a:t>
+            </a:r>
+          </a:p>
+          <a:p>
+            <a:pPr marL="0" indent="0">
+              <a:buNone/>
+            </a:pPr>
+            <a:r>
+              <a:rPr lang="en-US" sz="1200" dirty="0" err="1"/>
+              <a:t>time.sleep</a:t>
+            </a:r>
+            <a:r>
+              <a:rPr lang="en-US" sz="1200" dirty="0"/>
+              <a:t>(1)</a:t>
+            </a:r>
+          </a:p>
+          <a:p>
+            <a:pPr marL="0" indent="0">
+              <a:buNone/>
+            </a:pPr>
+            <a:r>
+              <a:rPr lang="en-US" sz="1200" dirty="0"/>
+              <a:t>values ={'</a:t>
+            </a:r>
+            <a:r>
+              <a:rPr lang="en-US" sz="1200" dirty="0" err="1"/>
+              <a:t>timestamp':Time</a:t>
+            </a:r>
+            <a:r>
+              <a:rPr lang="en-US" sz="1200" dirty="0"/>
+              <a:t>,</a:t>
+            </a:r>
+          </a:p>
+          <a:p>
+            <a:pPr marL="0" indent="0">
+              <a:buNone/>
+            </a:pPr>
+            <a:r>
+              <a:rPr lang="en-US" sz="1200" dirty="0"/>
+              <a:t>'</a:t>
+            </a:r>
+            <a:r>
+              <a:rPr lang="en-US" sz="1200" dirty="0" err="1"/>
+              <a:t>temperature':Temperature</a:t>
+            </a:r>
+            <a:r>
+              <a:rPr lang="en-US" sz="1200" dirty="0"/>
+              <a:t>,</a:t>
+            </a:r>
+          </a:p>
+          <a:p>
+            <a:pPr marL="0" indent="0">
+              <a:buNone/>
+            </a:pPr>
+            <a:r>
+              <a:rPr lang="en-US" sz="1200" dirty="0"/>
+              <a:t>'</a:t>
+            </a:r>
+            <a:r>
+              <a:rPr lang="en-US" sz="1200" dirty="0" err="1"/>
+              <a:t>pressure':Pressure</a:t>
+            </a:r>
+            <a:endParaRPr lang="en-US" sz="1200" dirty="0"/>
+          </a:p>
+          <a:p>
+            <a:pPr marL="0" indent="0">
+              <a:buNone/>
+            </a:pPr>
+            <a:r>
+              <a:rPr lang="en-US" sz="1200" dirty="0"/>
+              <a:t>}</a:t>
+            </a:r>
+          </a:p>
+          <a:p>
+            <a:pPr marL="0" indent="0">
+              <a:buNone/>
+            </a:pPr>
+            <a:endParaRPr lang="en-CN" sz="1200" dirty="0"/>
+          </a:p>
+        </p:txBody>
+      </p:sp>
+    </p:spTree>
+    <p:extLst>
+      <p:ext uri="{BB962C8B-B14F-4D97-AF65-F5344CB8AC3E}">
+        <p14:creationId xmlns:p14="http://schemas.microsoft.com/office/powerpoint/2010/main" val="1679390411"/>
+      </p:ext>
+    </p:extLst>
+  </p:cSld>
+  <p:clrMapOvr>
+    <a:masterClrMapping/>
+  </p:clrMapOvr>
+</p:sld>
+</file>
+
+<file path=ppt/slides/slide7.xml><?xml version="1.0" encoding="utf-8"?>
+<p:sld xmlns:a="http://schemas.openxmlformats.org/drawingml/2006/main" xmlns:r="http://schemas.openxmlformats.org/officeDocument/2006/relationships" xmlns:p="http://schemas.openxmlformats.org/presentationml/2006/main">
+  <p:cSld>
+    <p:spTree>
+      <p:nvGrpSpPr>
+        <p:cNvPr id="1" name=""/>
+        <p:cNvGrpSpPr/>
+        <p:nvPr/>
+      </p:nvGrpSpPr>
+      <p:grpSpPr>
+        <a:xfrm>
+          <a:off x="0" y="0"/>
+          <a:ext cx="0" cy="0"/>
+          <a:chOff x="0" y="0"/>
+          <a:chExt cx="0" cy="0"/>
+        </a:xfrm>
+      </p:grpSpPr>
+      <p:sp>
+        <p:nvSpPr>
+          <p:cNvPr id="2" name="Title 1">
+            <a:extLst>
+              <a:ext uri="{FF2B5EF4-FFF2-40B4-BE49-F238E27FC236}">
                 <a16:creationId xmlns:a16="http://schemas.microsoft.com/office/drawing/2014/main" id="{EB259942-316B-FD44-B4DF-4473C33CDDEB}"/>
               </a:ext>
             </a:extLst>
@@ -4477,11 +4936,24 @@
             <p:ph type="title"/>
           </p:nvPr>
         </p:nvSpPr>
-        <p:spPr/>
-        <p:txBody>
-          <a:bodyPr/>
-          <a:lstStyle/>
-          <a:p>
+        <p:spPr>
+          <a:xfrm>
+            <a:off x="135467" y="-41275"/>
+            <a:ext cx="10515600" cy="1325563"/>
+          </a:xfrm>
+        </p:spPr>
+        <p:txBody>
+          <a:bodyPr/>
+          <a:lstStyle/>
+          <a:p>
+            <a:r>
+              <a:rPr lang="en-US" altLang="zh-CN" dirty="0"/>
+              <a:t>Store:</a:t>
+            </a:r>
+            <a:r>
+              <a:rPr lang="zh-CN" altLang="en-US" dirty="0"/>
+              <a:t> </a:t>
+            </a:r>
             <a:r>
               <a:rPr lang="en-US" altLang="zh-CN" dirty="0" err="1"/>
               <a:t>Mongodb</a:t>
@@ -4514,14 +4986,393 @@
         </p:blipFill>
         <p:spPr>
           <a:xfrm>
-            <a:off x="838200" y="1445076"/>
-            <a:ext cx="10515600" cy="2853751"/>
+            <a:off x="220134" y="1032790"/>
+            <a:ext cx="8906933" cy="2417186"/>
           </a:xfrm>
           <a:prstGeom prst="rect">
             <a:avLst/>
           </a:prstGeom>
         </p:spPr>
       </p:pic>
+      <p:sp>
+        <p:nvSpPr>
+          <p:cNvPr id="5" name="Rectangle 4">
+            <a:extLst>
+              <a:ext uri="{FF2B5EF4-FFF2-40B4-BE49-F238E27FC236}">
+                <a16:creationId xmlns:a16="http://schemas.microsoft.com/office/drawing/2014/main" id="{E4F3ABA7-EEA8-9C47-8C03-D9E303D37891}"/>
+              </a:ext>
+            </a:extLst>
+          </p:cNvPr>
+          <p:cNvSpPr/>
+          <p:nvPr/>
+        </p:nvSpPr>
+        <p:spPr>
+          <a:xfrm>
+            <a:off x="922866" y="3647486"/>
+            <a:ext cx="6096000" cy="2862322"/>
+          </a:xfrm>
+          <a:prstGeom prst="rect">
+            <a:avLst/>
+          </a:prstGeom>
+        </p:spPr>
+        <p:txBody>
+          <a:bodyPr>
+            <a:spAutoFit/>
+          </a:bodyPr>
+          <a:lstStyle/>
+          <a:p>
+            <a:r>
+              <a:rPr lang="en-US" b="0" dirty="0">
+                <a:solidFill>
+                  <a:srgbClr val="6A9955"/>
+                </a:solidFill>
+                <a:effectLst/>
+                <a:latin typeface="Menlo" panose="020B0609030804020204" pitchFamily="49" charset="0"/>
+              </a:rPr>
+              <a:t># </a:t>
+            </a:r>
+            <a:r>
+              <a:rPr lang="en-US" b="0" dirty="0" err="1">
+                <a:solidFill>
+                  <a:srgbClr val="6A9955"/>
+                </a:solidFill>
+                <a:effectLst/>
+                <a:latin typeface="Menlo" panose="020B0609030804020204" pitchFamily="49" charset="0"/>
+              </a:rPr>
+              <a:t>mongodb</a:t>
+            </a:r>
+            <a:r>
+              <a:rPr lang="en-US" b="0" dirty="0">
+                <a:solidFill>
+                  <a:srgbClr val="6A9955"/>
+                </a:solidFill>
+                <a:effectLst/>
+                <a:latin typeface="Menlo" panose="020B0609030804020204" pitchFamily="49" charset="0"/>
+              </a:rPr>
+              <a:t> connection</a:t>
+            </a:r>
+            <a:endParaRPr lang="en-US" b="0" dirty="0">
+              <a:solidFill>
+                <a:srgbClr val="D4D4D4"/>
+              </a:solidFill>
+              <a:effectLst/>
+              <a:latin typeface="Menlo" panose="020B0609030804020204" pitchFamily="49" charset="0"/>
+            </a:endParaRPr>
+          </a:p>
+          <a:p>
+            <a:r>
+              <a:rPr lang="en-US" b="0" dirty="0" err="1">
+                <a:solidFill>
+                  <a:srgbClr val="D4D4D4"/>
+                </a:solidFill>
+                <a:effectLst/>
+                <a:latin typeface="Menlo" panose="020B0609030804020204" pitchFamily="49" charset="0"/>
+              </a:rPr>
+              <a:t>mongo_client</a:t>
+            </a:r>
+            <a:r>
+              <a:rPr lang="en-US" b="0" dirty="0">
+                <a:solidFill>
+                  <a:srgbClr val="D4D4D4"/>
+                </a:solidFill>
+                <a:effectLst/>
+                <a:latin typeface="Menlo" panose="020B0609030804020204" pitchFamily="49" charset="0"/>
+              </a:rPr>
+              <a:t> = </a:t>
+            </a:r>
+            <a:r>
+              <a:rPr lang="en-US" b="0" dirty="0" err="1">
+                <a:solidFill>
+                  <a:srgbClr val="D4D4D4"/>
+                </a:solidFill>
+                <a:effectLst/>
+                <a:latin typeface="Menlo" panose="020B0609030804020204" pitchFamily="49" charset="0"/>
+              </a:rPr>
+              <a:t>pymongo.MongoClient</a:t>
+            </a:r>
+            <a:r>
+              <a:rPr lang="en-US" b="0" dirty="0">
+                <a:solidFill>
+                  <a:srgbClr val="D4D4D4"/>
+                </a:solidFill>
+                <a:effectLst/>
+                <a:latin typeface="Menlo" panose="020B0609030804020204" pitchFamily="49" charset="0"/>
+              </a:rPr>
+              <a:t>(</a:t>
+            </a:r>
+            <a:r>
+              <a:rPr lang="en-US" b="0" dirty="0">
+                <a:solidFill>
+                  <a:srgbClr val="CE9178"/>
+                </a:solidFill>
+                <a:effectLst/>
+                <a:latin typeface="Menlo" panose="020B0609030804020204" pitchFamily="49" charset="0"/>
+              </a:rPr>
+              <a:t>"</a:t>
+            </a:r>
+            <a:r>
+              <a:rPr lang="en-US" b="0" dirty="0" err="1">
+                <a:solidFill>
+                  <a:srgbClr val="CE9178"/>
+                </a:solidFill>
+                <a:effectLst/>
+                <a:latin typeface="Menlo" panose="020B0609030804020204" pitchFamily="49" charset="0"/>
+              </a:rPr>
+              <a:t>mongodb</a:t>
+            </a:r>
+            <a:r>
+              <a:rPr lang="en-US" b="0" dirty="0">
+                <a:solidFill>
+                  <a:srgbClr val="CE9178"/>
+                </a:solidFill>
+                <a:effectLst/>
+                <a:latin typeface="Menlo" panose="020B0609030804020204" pitchFamily="49" charset="0"/>
+              </a:rPr>
+              <a:t>://</a:t>
+            </a:r>
+            <a:r>
+              <a:rPr lang="en-US" b="0" dirty="0" err="1">
+                <a:solidFill>
+                  <a:srgbClr val="CE9178"/>
+                </a:solidFill>
+                <a:effectLst/>
+                <a:latin typeface="Menlo" panose="020B0609030804020204" pitchFamily="49" charset="0"/>
+              </a:rPr>
+              <a:t>admin:IoTadmin</a:t>
+            </a:r>
+            <a:r>
+              <a:rPr lang="en-US" b="0" dirty="0">
+                <a:solidFill>
+                  <a:srgbClr val="CE9178"/>
+                </a:solidFill>
+                <a:effectLst/>
+                <a:latin typeface="Menlo" panose="020B0609030804020204" pitchFamily="49" charset="0"/>
+              </a:rPr>
+              <a:t>!@101.200.42.133:27017/"</a:t>
+            </a:r>
+            <a:r>
+              <a:rPr lang="en-US" b="0" dirty="0">
+                <a:solidFill>
+                  <a:srgbClr val="D4D4D4"/>
+                </a:solidFill>
+                <a:effectLst/>
+                <a:latin typeface="Menlo" panose="020B0609030804020204" pitchFamily="49" charset="0"/>
+              </a:rPr>
+              <a:t>)</a:t>
+            </a:r>
+          </a:p>
+          <a:p>
+            <a:br>
+              <a:rPr lang="en-US" b="0" dirty="0">
+                <a:solidFill>
+                  <a:srgbClr val="D4D4D4"/>
+                </a:solidFill>
+                <a:effectLst/>
+                <a:latin typeface="Menlo" panose="020B0609030804020204" pitchFamily="49" charset="0"/>
+              </a:rPr>
+            </a:br>
+            <a:r>
+              <a:rPr lang="en-US" b="0" dirty="0">
+                <a:solidFill>
+                  <a:srgbClr val="6A9955"/>
+                </a:solidFill>
+                <a:effectLst/>
+                <a:latin typeface="Menlo" panose="020B0609030804020204" pitchFamily="49" charset="0"/>
+              </a:rPr>
+              <a:t># </a:t>
+            </a:r>
+            <a:r>
+              <a:rPr lang="en-US" b="0" dirty="0" err="1">
+                <a:solidFill>
+                  <a:srgbClr val="6A9955"/>
+                </a:solidFill>
+                <a:effectLst/>
+                <a:latin typeface="Menlo" panose="020B0609030804020204" pitchFamily="49" charset="0"/>
+              </a:rPr>
+              <a:t>db</a:t>
+            </a:r>
+            <a:endParaRPr lang="en-US" b="0" dirty="0">
+              <a:solidFill>
+                <a:srgbClr val="D4D4D4"/>
+              </a:solidFill>
+              <a:effectLst/>
+              <a:latin typeface="Menlo" panose="020B0609030804020204" pitchFamily="49" charset="0"/>
+            </a:endParaRPr>
+          </a:p>
+          <a:p>
+            <a:r>
+              <a:rPr lang="en-US" b="0" dirty="0" err="1">
+                <a:solidFill>
+                  <a:srgbClr val="D4D4D4"/>
+                </a:solidFill>
+                <a:effectLst/>
+                <a:latin typeface="Menlo" panose="020B0609030804020204" pitchFamily="49" charset="0"/>
+              </a:rPr>
+              <a:t>db</a:t>
+            </a:r>
+            <a:r>
+              <a:rPr lang="en-US" b="0" dirty="0">
+                <a:solidFill>
+                  <a:srgbClr val="D4D4D4"/>
+                </a:solidFill>
+                <a:effectLst/>
+                <a:latin typeface="Menlo" panose="020B0609030804020204" pitchFamily="49" charset="0"/>
+              </a:rPr>
+              <a:t> = </a:t>
+            </a:r>
+            <a:r>
+              <a:rPr lang="en-US" b="0" dirty="0" err="1">
+                <a:solidFill>
+                  <a:srgbClr val="D4D4D4"/>
+                </a:solidFill>
+                <a:effectLst/>
+                <a:latin typeface="Menlo" panose="020B0609030804020204" pitchFamily="49" charset="0"/>
+              </a:rPr>
+              <a:t>mongo_client</a:t>
+            </a:r>
+            <a:r>
+              <a:rPr lang="en-US" b="0" dirty="0">
+                <a:solidFill>
+                  <a:srgbClr val="D4D4D4"/>
+                </a:solidFill>
+                <a:effectLst/>
+                <a:latin typeface="Menlo" panose="020B0609030804020204" pitchFamily="49" charset="0"/>
+              </a:rPr>
+              <a:t>[</a:t>
+            </a:r>
+            <a:r>
+              <a:rPr lang="en-US" b="0" dirty="0">
+                <a:solidFill>
+                  <a:srgbClr val="CE9178"/>
+                </a:solidFill>
+                <a:effectLst/>
+                <a:latin typeface="Menlo" panose="020B0609030804020204" pitchFamily="49" charset="0"/>
+              </a:rPr>
+              <a:t>"</a:t>
+            </a:r>
+            <a:r>
+              <a:rPr lang="en-US" b="0" dirty="0" err="1">
+                <a:solidFill>
+                  <a:srgbClr val="CE9178"/>
+                </a:solidFill>
+                <a:effectLst/>
+                <a:latin typeface="Menlo" panose="020B0609030804020204" pitchFamily="49" charset="0"/>
+              </a:rPr>
+              <a:t>opc</a:t>
+            </a:r>
+            <a:r>
+              <a:rPr lang="en-US" b="0" dirty="0">
+                <a:solidFill>
+                  <a:srgbClr val="CE9178"/>
+                </a:solidFill>
+                <a:effectLst/>
+                <a:latin typeface="Menlo" panose="020B0609030804020204" pitchFamily="49" charset="0"/>
+              </a:rPr>
+              <a:t>"</a:t>
+            </a:r>
+            <a:r>
+              <a:rPr lang="en-US" b="0" dirty="0">
+                <a:solidFill>
+                  <a:srgbClr val="D4D4D4"/>
+                </a:solidFill>
+                <a:effectLst/>
+                <a:latin typeface="Menlo" panose="020B0609030804020204" pitchFamily="49" charset="0"/>
+              </a:rPr>
+              <a:t>]</a:t>
+            </a:r>
+          </a:p>
+          <a:p>
+            <a:br>
+              <a:rPr lang="en-US" b="0" dirty="0">
+                <a:solidFill>
+                  <a:srgbClr val="D4D4D4"/>
+                </a:solidFill>
+                <a:effectLst/>
+                <a:latin typeface="Menlo" panose="020B0609030804020204" pitchFamily="49" charset="0"/>
+              </a:rPr>
+            </a:br>
+            <a:r>
+              <a:rPr lang="en-US" b="0" dirty="0">
+                <a:solidFill>
+                  <a:srgbClr val="6A9955"/>
+                </a:solidFill>
+                <a:effectLst/>
+                <a:latin typeface="Menlo" panose="020B0609030804020204" pitchFamily="49" charset="0"/>
+              </a:rPr>
+              <a:t># collection</a:t>
+            </a:r>
+            <a:endParaRPr lang="en-US" b="0" dirty="0">
+              <a:solidFill>
+                <a:srgbClr val="D4D4D4"/>
+              </a:solidFill>
+              <a:effectLst/>
+              <a:latin typeface="Menlo" panose="020B0609030804020204" pitchFamily="49" charset="0"/>
+            </a:endParaRPr>
+          </a:p>
+          <a:p>
+            <a:r>
+              <a:rPr lang="en-US" b="0" dirty="0" err="1">
+                <a:solidFill>
+                  <a:srgbClr val="D4D4D4"/>
+                </a:solidFill>
+                <a:effectLst/>
+                <a:latin typeface="Menlo" panose="020B0609030804020204" pitchFamily="49" charset="0"/>
+              </a:rPr>
+              <a:t>col_temperature</a:t>
+            </a:r>
+            <a:r>
+              <a:rPr lang="en-US" b="0" dirty="0">
+                <a:solidFill>
+                  <a:srgbClr val="D4D4D4"/>
+                </a:solidFill>
+                <a:effectLst/>
+                <a:latin typeface="Menlo" panose="020B0609030804020204" pitchFamily="49" charset="0"/>
+              </a:rPr>
+              <a:t> = </a:t>
+            </a:r>
+            <a:r>
+              <a:rPr lang="en-US" b="0" dirty="0" err="1">
+                <a:solidFill>
+                  <a:srgbClr val="D4D4D4"/>
+                </a:solidFill>
+                <a:effectLst/>
+                <a:latin typeface="Menlo" panose="020B0609030804020204" pitchFamily="49" charset="0"/>
+              </a:rPr>
+              <a:t>db</a:t>
+            </a:r>
+            <a:r>
+              <a:rPr lang="en-US" b="0" dirty="0">
+                <a:solidFill>
+                  <a:srgbClr val="D4D4D4"/>
+                </a:solidFill>
+                <a:effectLst/>
+                <a:latin typeface="Menlo" panose="020B0609030804020204" pitchFamily="49" charset="0"/>
+              </a:rPr>
+              <a:t>[</a:t>
+            </a:r>
+            <a:r>
+              <a:rPr lang="en-US" b="0" dirty="0">
+                <a:solidFill>
+                  <a:srgbClr val="CE9178"/>
+                </a:solidFill>
+                <a:effectLst/>
+                <a:latin typeface="Menlo" panose="020B0609030804020204" pitchFamily="49" charset="0"/>
+              </a:rPr>
+              <a:t>'temperature'</a:t>
+            </a:r>
+            <a:r>
+              <a:rPr lang="en-US" b="0" dirty="0">
+                <a:solidFill>
+                  <a:srgbClr val="D4D4D4"/>
+                </a:solidFill>
+                <a:effectLst/>
+                <a:latin typeface="Menlo" panose="020B0609030804020204" pitchFamily="49" charset="0"/>
+              </a:rPr>
+              <a:t>]</a:t>
+            </a:r>
+          </a:p>
+        </p:txBody>
+      </p:sp>
     </p:spTree>
     <p:extLst>
       <p:ext uri="{BB962C8B-B14F-4D97-AF65-F5344CB8AC3E}">
@@ -4535,7 +5386,7 @@
 </p:sld>
 </file>
 
-<file path=ppt/slides/slide6.xml><?xml version="1.0" encoding="utf-8"?>
+<file path=ppt/slides/slide8.xml><?xml version="1.0" encoding="utf-8"?>
 <p:sld xmlns:a="http://schemas.openxmlformats.org/drawingml/2006/main" xmlns:r="http://schemas.openxmlformats.org/officeDocument/2006/relationships" xmlns:p="http://schemas.openxmlformats.org/presentationml/2006/main">
   <p:cSld>
     <p:spTree>

--- a/opc-ua-examples.pptx
+++ b/opc-ua-examples.pptx
@@ -13,6 +13,8 @@
     <p:sldId id="263" r:id="rId7"/>
     <p:sldId id="260" r:id="rId8"/>
     <p:sldId id="261" r:id="rId9"/>
+    <p:sldId id="265" r:id="rId10"/>
+    <p:sldId id="264" r:id="rId11"/>
   </p:sldIdLst>
   <p:sldSz cx="12192000" cy="6858000"/>
   <p:notesSz cx="6858000" cy="9144000"/>
@@ -117,7 +119,7 @@
 <file path=ppt/revisionInfo.xml><?xml version="1.0" encoding="utf-8"?>
 <p1510:revInfo xmlns:a="http://schemas.openxmlformats.org/drawingml/2006/main" xmlns:r="http://schemas.openxmlformats.org/officeDocument/2006/relationships" xmlns:p1510="http://schemas.microsoft.com/office/powerpoint/2015/10/main">
   <p1510:revLst>
-    <p1510:client id="{7157E33A-98E7-EE43-A285-C4753668F747}" v="13" dt="2021-06-17T16:25:20.070"/>
+    <p1510:client id="{7157E33A-98E7-EE43-A285-C4753668F747}" v="17" dt="2021-06-17T16:31:25.983"/>
   </p1510:revLst>
 </p1510:revInfo>
 </file>
@@ -3509,6 +3511,90 @@
 </p:sld>
 </file>
 
+<file path=ppt/slides/slide10.xml><?xml version="1.0" encoding="utf-8"?>
+<p:sld xmlns:a="http://schemas.openxmlformats.org/drawingml/2006/main" xmlns:r="http://schemas.openxmlformats.org/officeDocument/2006/relationships" xmlns:p="http://schemas.openxmlformats.org/presentationml/2006/main">
+  <p:cSld>
+    <p:spTree>
+      <p:nvGrpSpPr>
+        <p:cNvPr id="1" name=""/>
+        <p:cNvGrpSpPr/>
+        <p:nvPr/>
+      </p:nvGrpSpPr>
+      <p:grpSpPr>
+        <a:xfrm>
+          <a:off x="0" y="0"/>
+          <a:ext cx="0" cy="0"/>
+          <a:chOff x="0" y="0"/>
+          <a:chExt cx="0" cy="0"/>
+        </a:xfrm>
+      </p:grpSpPr>
+      <p:sp>
+        <p:nvSpPr>
+          <p:cNvPr id="2" name="Title 1">
+            <a:extLst>
+              <a:ext uri="{FF2B5EF4-FFF2-40B4-BE49-F238E27FC236}">
+                <a16:creationId xmlns:a16="http://schemas.microsoft.com/office/drawing/2014/main" id="{CC4C1518-A068-524D-9F5A-5E29929F1352}"/>
+              </a:ext>
+            </a:extLst>
+          </p:cNvPr>
+          <p:cNvSpPr>
+            <a:spLocks noGrp="1"/>
+          </p:cNvSpPr>
+          <p:nvPr>
+            <p:ph type="title"/>
+          </p:nvPr>
+        </p:nvSpPr>
+        <p:spPr/>
+        <p:txBody>
+          <a:bodyPr/>
+          <a:lstStyle/>
+          <a:p>
+            <a:r>
+              <a:rPr lang="en-US" altLang="zh-CN" dirty="0"/>
+              <a:t>Viz</a:t>
+            </a:r>
+            <a:endParaRPr lang="en-CN" dirty="0"/>
+          </a:p>
+        </p:txBody>
+      </p:sp>
+      <p:sp>
+        <p:nvSpPr>
+          <p:cNvPr id="3" name="Content Placeholder 2">
+            <a:extLst>
+              <a:ext uri="{FF2B5EF4-FFF2-40B4-BE49-F238E27FC236}">
+                <a16:creationId xmlns:a16="http://schemas.microsoft.com/office/drawing/2014/main" id="{7C8B99D8-8874-5841-B470-3DB222060457}"/>
+              </a:ext>
+            </a:extLst>
+          </p:cNvPr>
+          <p:cNvSpPr>
+            <a:spLocks noGrp="1"/>
+          </p:cNvSpPr>
+          <p:nvPr>
+            <p:ph idx="1"/>
+          </p:nvPr>
+        </p:nvSpPr>
+        <p:spPr/>
+        <p:txBody>
+          <a:bodyPr/>
+          <a:lstStyle/>
+          <a:p>
+            <a:endParaRPr lang="en-CN"/>
+          </a:p>
+        </p:txBody>
+      </p:sp>
+    </p:spTree>
+    <p:extLst>
+      <p:ext uri="{BB962C8B-B14F-4D97-AF65-F5344CB8AC3E}">
+        <p14:creationId xmlns:p14="http://schemas.microsoft.com/office/powerpoint/2010/main" val="810390076"/>
+      </p:ext>
+    </p:extLst>
+  </p:cSld>
+  <p:clrMapOvr>
+    <a:masterClrMapping/>
+  </p:clrMapOvr>
+</p:sld>
+</file>
+
 <file path=ppt/slides/slide2.xml><?xml version="1.0" encoding="utf-8"?>
 <p:sld xmlns:a="http://schemas.openxmlformats.org/drawingml/2006/main" xmlns:r="http://schemas.openxmlformats.org/officeDocument/2006/relationships" xmlns:p="http://schemas.openxmlformats.org/presentationml/2006/main">
   <p:cSld>
@@ -5373,6 +5459,229 @@
           </a:p>
         </p:txBody>
       </p:sp>
+      <p:sp>
+        <p:nvSpPr>
+          <p:cNvPr id="6" name="Rectangle 5">
+            <a:extLst>
+              <a:ext uri="{FF2B5EF4-FFF2-40B4-BE49-F238E27FC236}">
+                <a16:creationId xmlns:a16="http://schemas.microsoft.com/office/drawing/2014/main" id="{7B3AD0BD-EB81-BA4E-B742-227589DDFCC1}"/>
+              </a:ext>
+            </a:extLst>
+          </p:cNvPr>
+          <p:cNvSpPr/>
+          <p:nvPr/>
+        </p:nvSpPr>
+        <p:spPr>
+          <a:xfrm>
+            <a:off x="7120467" y="4062984"/>
+            <a:ext cx="6096000" cy="2031325"/>
+          </a:xfrm>
+          <a:prstGeom prst="rect">
+            <a:avLst/>
+          </a:prstGeom>
+        </p:spPr>
+        <p:txBody>
+          <a:bodyPr>
+            <a:spAutoFit/>
+          </a:bodyPr>
+          <a:lstStyle/>
+          <a:p>
+            <a:r>
+              <a:rPr lang="en-US" b="0" dirty="0">
+                <a:solidFill>
+                  <a:srgbClr val="D4D4D4"/>
+                </a:solidFill>
+                <a:effectLst/>
+                <a:latin typeface="Menlo" panose="020B0609030804020204" pitchFamily="49" charset="0"/>
+              </a:rPr>
+              <a:t>values ={</a:t>
+            </a:r>
+            <a:r>
+              <a:rPr lang="en-US" b="0" dirty="0">
+                <a:solidFill>
+                  <a:srgbClr val="CE9178"/>
+                </a:solidFill>
+                <a:effectLst/>
+                <a:latin typeface="Menlo" panose="020B0609030804020204" pitchFamily="49" charset="0"/>
+              </a:rPr>
+              <a:t>'</a:t>
+            </a:r>
+            <a:r>
+              <a:rPr lang="en-US" b="0" dirty="0" err="1">
+                <a:solidFill>
+                  <a:srgbClr val="CE9178"/>
+                </a:solidFill>
+                <a:effectLst/>
+                <a:latin typeface="Menlo" panose="020B0609030804020204" pitchFamily="49" charset="0"/>
+              </a:rPr>
+              <a:t>timestamp'</a:t>
+            </a:r>
+            <a:r>
+              <a:rPr lang="en-US" b="0" dirty="0" err="1">
+                <a:solidFill>
+                  <a:srgbClr val="D4D4D4"/>
+                </a:solidFill>
+                <a:effectLst/>
+                <a:latin typeface="Menlo" panose="020B0609030804020204" pitchFamily="49" charset="0"/>
+              </a:rPr>
+              <a:t>:Time</a:t>
+            </a:r>
+            <a:r>
+              <a:rPr lang="en-US" b="0" dirty="0">
+                <a:solidFill>
+                  <a:srgbClr val="D4D4D4"/>
+                </a:solidFill>
+                <a:effectLst/>
+                <a:latin typeface="Menlo" panose="020B0609030804020204" pitchFamily="49" charset="0"/>
+              </a:rPr>
+              <a:t>,</a:t>
+            </a:r>
+          </a:p>
+          <a:p>
+            <a:r>
+              <a:rPr lang="en-US" b="0" dirty="0">
+                <a:solidFill>
+                  <a:srgbClr val="CE9178"/>
+                </a:solidFill>
+                <a:effectLst/>
+                <a:latin typeface="Menlo" panose="020B0609030804020204" pitchFamily="49" charset="0"/>
+              </a:rPr>
+              <a:t>'</a:t>
+            </a:r>
+            <a:r>
+              <a:rPr lang="en-US" b="0" dirty="0" err="1">
+                <a:solidFill>
+                  <a:srgbClr val="CE9178"/>
+                </a:solidFill>
+                <a:effectLst/>
+                <a:latin typeface="Menlo" panose="020B0609030804020204" pitchFamily="49" charset="0"/>
+              </a:rPr>
+              <a:t>temperature'</a:t>
+            </a:r>
+            <a:r>
+              <a:rPr lang="en-US" b="0" dirty="0" err="1">
+                <a:solidFill>
+                  <a:srgbClr val="D4D4D4"/>
+                </a:solidFill>
+                <a:effectLst/>
+                <a:latin typeface="Menlo" panose="020B0609030804020204" pitchFamily="49" charset="0"/>
+              </a:rPr>
+              <a:t>:Temperature</a:t>
+            </a:r>
+            <a:r>
+              <a:rPr lang="en-US" b="0" dirty="0">
+                <a:solidFill>
+                  <a:srgbClr val="D4D4D4"/>
+                </a:solidFill>
+                <a:effectLst/>
+                <a:latin typeface="Menlo" panose="020B0609030804020204" pitchFamily="49" charset="0"/>
+              </a:rPr>
+              <a:t>,</a:t>
+            </a:r>
+          </a:p>
+          <a:p>
+            <a:r>
+              <a:rPr lang="en-US" b="0" dirty="0">
+                <a:solidFill>
+                  <a:srgbClr val="CE9178"/>
+                </a:solidFill>
+                <a:effectLst/>
+                <a:latin typeface="Menlo" panose="020B0609030804020204" pitchFamily="49" charset="0"/>
+              </a:rPr>
+              <a:t>'</a:t>
+            </a:r>
+            <a:r>
+              <a:rPr lang="en-US" b="0" dirty="0" err="1">
+                <a:solidFill>
+                  <a:srgbClr val="CE9178"/>
+                </a:solidFill>
+                <a:effectLst/>
+                <a:latin typeface="Menlo" panose="020B0609030804020204" pitchFamily="49" charset="0"/>
+              </a:rPr>
+              <a:t>pressure'</a:t>
+            </a:r>
+            <a:r>
+              <a:rPr lang="en-US" b="0" dirty="0" err="1">
+                <a:solidFill>
+                  <a:srgbClr val="D4D4D4"/>
+                </a:solidFill>
+                <a:effectLst/>
+                <a:latin typeface="Menlo" panose="020B0609030804020204" pitchFamily="49" charset="0"/>
+              </a:rPr>
+              <a:t>:Pressure</a:t>
+            </a:r>
+            <a:endParaRPr lang="en-US" b="0" dirty="0">
+              <a:solidFill>
+                <a:srgbClr val="D4D4D4"/>
+              </a:solidFill>
+              <a:effectLst/>
+              <a:latin typeface="Menlo" panose="020B0609030804020204" pitchFamily="49" charset="0"/>
+            </a:endParaRPr>
+          </a:p>
+          <a:p>
+            <a:r>
+              <a:rPr lang="en-US" b="0" dirty="0">
+                <a:solidFill>
+                  <a:srgbClr val="D4D4D4"/>
+                </a:solidFill>
+                <a:effectLst/>
+                <a:latin typeface="Menlo" panose="020B0609030804020204" pitchFamily="49" charset="0"/>
+              </a:rPr>
+              <a:t>}</a:t>
+            </a:r>
+          </a:p>
+          <a:p>
+            <a:br>
+              <a:rPr lang="en-US" b="0" dirty="0">
+                <a:solidFill>
+                  <a:srgbClr val="D4D4D4"/>
+                </a:solidFill>
+                <a:effectLst/>
+                <a:latin typeface="Menlo" panose="020B0609030804020204" pitchFamily="49" charset="0"/>
+              </a:rPr>
+            </a:br>
+            <a:r>
+              <a:rPr lang="en-US" b="0" dirty="0">
+                <a:solidFill>
+                  <a:srgbClr val="6A9955"/>
+                </a:solidFill>
+                <a:effectLst/>
+                <a:latin typeface="Menlo" panose="020B0609030804020204" pitchFamily="49" charset="0"/>
+              </a:rPr>
+              <a:t># insert</a:t>
+            </a:r>
+            <a:endParaRPr lang="en-US" b="0" dirty="0">
+              <a:solidFill>
+                <a:srgbClr val="D4D4D4"/>
+              </a:solidFill>
+              <a:effectLst/>
+              <a:latin typeface="Menlo" panose="020B0609030804020204" pitchFamily="49" charset="0"/>
+            </a:endParaRPr>
+          </a:p>
+          <a:p>
+            <a:r>
+              <a:rPr lang="en-US" b="0" dirty="0" err="1">
+                <a:solidFill>
+                  <a:srgbClr val="D4D4D4"/>
+                </a:solidFill>
+                <a:effectLst/>
+                <a:latin typeface="Menlo" panose="020B0609030804020204" pitchFamily="49" charset="0"/>
+              </a:rPr>
+              <a:t>col_temperature.insert_one</a:t>
+            </a:r>
+            <a:r>
+              <a:rPr lang="en-US" b="0" dirty="0">
+                <a:solidFill>
+                  <a:srgbClr val="D4D4D4"/>
+                </a:solidFill>
+                <a:effectLst/>
+                <a:latin typeface="Menlo" panose="020B0609030804020204" pitchFamily="49" charset="0"/>
+              </a:rPr>
+              <a:t>(values)</a:t>
+            </a:r>
+          </a:p>
+        </p:txBody>
+      </p:sp>
     </p:spTree>
     <p:extLst>
       <p:ext uri="{BB962C8B-B14F-4D97-AF65-F5344CB8AC3E}">
@@ -5487,6 +5796,188 @@
     <p:extLst>
       <p:ext uri="{BB962C8B-B14F-4D97-AF65-F5344CB8AC3E}">
         <p14:creationId xmlns:p14="http://schemas.microsoft.com/office/powerpoint/2010/main" val="2095786125"/>
+      </p:ext>
+    </p:extLst>
+  </p:cSld>
+  <p:clrMapOvr>
+    <a:masterClrMapping/>
+  </p:clrMapOvr>
+</p:sld>
+</file>
+
+<file path=ppt/slides/slide9.xml><?xml version="1.0" encoding="utf-8"?>
+<p:sld xmlns:a="http://schemas.openxmlformats.org/drawingml/2006/main" xmlns:r="http://schemas.openxmlformats.org/officeDocument/2006/relationships" xmlns:p="http://schemas.openxmlformats.org/presentationml/2006/main">
+  <p:cSld>
+    <p:spTree>
+      <p:nvGrpSpPr>
+        <p:cNvPr id="1" name=""/>
+        <p:cNvGrpSpPr/>
+        <p:nvPr/>
+      </p:nvGrpSpPr>
+      <p:grpSpPr>
+        <a:xfrm>
+          <a:off x="0" y="0"/>
+          <a:ext cx="0" cy="0"/>
+          <a:chOff x="0" y="0"/>
+          <a:chExt cx="0" cy="0"/>
+        </a:xfrm>
+      </p:grpSpPr>
+      <p:sp>
+        <p:nvSpPr>
+          <p:cNvPr id="2" name="Title 1">
+            <a:extLst>
+              <a:ext uri="{FF2B5EF4-FFF2-40B4-BE49-F238E27FC236}">
+                <a16:creationId xmlns:a16="http://schemas.microsoft.com/office/drawing/2014/main" id="{97AC56B4-7979-4040-B5E7-45DEEDACDA35}"/>
+              </a:ext>
+            </a:extLst>
+          </p:cNvPr>
+          <p:cNvSpPr>
+            <a:spLocks noGrp="1"/>
+          </p:cNvSpPr>
+          <p:nvPr>
+            <p:ph type="title"/>
+          </p:nvPr>
+        </p:nvSpPr>
+        <p:spPr/>
+        <p:txBody>
+          <a:bodyPr/>
+          <a:lstStyle/>
+          <a:p>
+            <a:endParaRPr lang="en-CN"/>
+          </a:p>
+        </p:txBody>
+      </p:sp>
+      <p:sp>
+        <p:nvSpPr>
+          <p:cNvPr id="4" name="Rectangle 3">
+            <a:extLst>
+              <a:ext uri="{FF2B5EF4-FFF2-40B4-BE49-F238E27FC236}">
+                <a16:creationId xmlns:a16="http://schemas.microsoft.com/office/drawing/2014/main" id="{D1A2B8D4-697D-504A-AA88-AFEFBBFAED07}"/>
+              </a:ext>
+            </a:extLst>
+          </p:cNvPr>
+          <p:cNvSpPr/>
+          <p:nvPr/>
+        </p:nvSpPr>
+        <p:spPr>
+          <a:xfrm>
+            <a:off x="838200" y="2176271"/>
+            <a:ext cx="6096000" cy="2031325"/>
+          </a:xfrm>
+          <a:prstGeom prst="rect">
+            <a:avLst/>
+          </a:prstGeom>
+        </p:spPr>
+        <p:txBody>
+          <a:bodyPr>
+            <a:spAutoFit/>
+          </a:bodyPr>
+          <a:lstStyle/>
+          <a:p>
+            <a:r>
+              <a:rPr lang="en-US" b="0" dirty="0">
+                <a:effectLst/>
+                <a:latin typeface="Menlo" panose="020B0609030804020204" pitchFamily="49" charset="0"/>
+              </a:rPr>
+              <a:t>query = {</a:t>
+            </a:r>
+          </a:p>
+          <a:p>
+            <a:r>
+              <a:rPr lang="en-US" b="0" dirty="0">
+                <a:effectLst/>
+                <a:latin typeface="Menlo" panose="020B0609030804020204" pitchFamily="49" charset="0"/>
+              </a:rPr>
+              <a:t>"timestamp":{</a:t>
+            </a:r>
+          </a:p>
+          <a:p>
+            <a:r>
+              <a:rPr lang="en-US" b="0" dirty="0">
+                <a:effectLst/>
+                <a:latin typeface="Menlo" panose="020B0609030804020204" pitchFamily="49" charset="0"/>
+              </a:rPr>
+              <a:t>"$</a:t>
+            </a:r>
+            <a:r>
+              <a:rPr lang="en-US" b="0" dirty="0" err="1">
+                <a:effectLst/>
+                <a:latin typeface="Menlo" panose="020B0609030804020204" pitchFamily="49" charset="0"/>
+              </a:rPr>
+              <a:t>gte</a:t>
+            </a:r>
+            <a:r>
+              <a:rPr lang="en-US" b="0" dirty="0">
+                <a:effectLst/>
+                <a:latin typeface="Menlo" panose="020B0609030804020204" pitchFamily="49" charset="0"/>
+              </a:rPr>
+              <a:t>": </a:t>
+            </a:r>
+            <a:r>
+              <a:rPr lang="en-US" b="0" dirty="0" err="1">
+                <a:effectLst/>
+                <a:latin typeface="Menlo" panose="020B0609030804020204" pitchFamily="49" charset="0"/>
+              </a:rPr>
+              <a:t>time_start</a:t>
+            </a:r>
+            <a:endParaRPr lang="en-US" b="0" dirty="0">
+              <a:effectLst/>
+              <a:latin typeface="Menlo" panose="020B0609030804020204" pitchFamily="49" charset="0"/>
+            </a:endParaRPr>
+          </a:p>
+          <a:p>
+            <a:r>
+              <a:rPr lang="en-US" b="0" dirty="0">
+                <a:effectLst/>
+                <a:latin typeface="Menlo" panose="020B0609030804020204" pitchFamily="49" charset="0"/>
+              </a:rPr>
+              <a:t>}</a:t>
+            </a:r>
+          </a:p>
+          <a:p>
+            <a:r>
+              <a:rPr lang="en-US" b="0" dirty="0">
+                <a:effectLst/>
+                <a:latin typeface="Menlo" panose="020B0609030804020204" pitchFamily="49" charset="0"/>
+              </a:rPr>
+              <a:t>}</a:t>
+            </a:r>
+          </a:p>
+          <a:p>
+            <a:br>
+              <a:rPr lang="en-US" b="0" dirty="0">
+                <a:effectLst/>
+                <a:latin typeface="Menlo" panose="020B0609030804020204" pitchFamily="49" charset="0"/>
+              </a:rPr>
+            </a:br>
+            <a:r>
+              <a:rPr lang="en-US" b="0" dirty="0">
+                <a:effectLst/>
+                <a:latin typeface="Menlo" panose="020B0609030804020204" pitchFamily="49" charset="0"/>
+              </a:rPr>
+              <a:t>r = </a:t>
+            </a:r>
+            <a:r>
+              <a:rPr lang="en-US" b="0" dirty="0" err="1">
+                <a:effectLst/>
+                <a:latin typeface="Menlo" panose="020B0609030804020204" pitchFamily="49" charset="0"/>
+              </a:rPr>
+              <a:t>col_temperature.find</a:t>
+            </a:r>
+            <a:r>
+              <a:rPr lang="en-US" b="0" dirty="0">
+                <a:effectLst/>
+                <a:latin typeface="Menlo" panose="020B0609030804020204" pitchFamily="49" charset="0"/>
+              </a:rPr>
+              <a:t>(query)</a:t>
+            </a:r>
+          </a:p>
+        </p:txBody>
+      </p:sp>
+    </p:spTree>
+    <p:extLst>
+      <p:ext uri="{BB962C8B-B14F-4D97-AF65-F5344CB8AC3E}">
+        <p14:creationId xmlns:p14="http://schemas.microsoft.com/office/powerpoint/2010/main" val="1283596793"/>
       </p:ext>
     </p:extLst>
   </p:cSld>

--- a/opc-ua-examples.pptx
+++ b/opc-ua-examples.pptx
@@ -5824,31 +5824,6 @@
       </p:grpSpPr>
       <p:sp>
         <p:nvSpPr>
-          <p:cNvPr id="2" name="Title 1">
-            <a:extLst>
-              <a:ext uri="{FF2B5EF4-FFF2-40B4-BE49-F238E27FC236}">
-                <a16:creationId xmlns:a16="http://schemas.microsoft.com/office/drawing/2014/main" id="{97AC56B4-7979-4040-B5E7-45DEEDACDA35}"/>
-              </a:ext>
-            </a:extLst>
-          </p:cNvPr>
-          <p:cNvSpPr>
-            <a:spLocks noGrp="1"/>
-          </p:cNvSpPr>
-          <p:nvPr>
-            <p:ph type="title"/>
-          </p:nvPr>
-        </p:nvSpPr>
-        <p:spPr/>
-        <p:txBody>
-          <a:bodyPr/>
-          <a:lstStyle/>
-          <a:p>
-            <a:endParaRPr lang="en-CN"/>
-          </a:p>
-        </p:txBody>
-      </p:sp>
-      <p:sp>
-        <p:nvSpPr>
           <p:cNvPr id="4" name="Rectangle 3">
             <a:extLst>
               <a:ext uri="{FF2B5EF4-FFF2-40B4-BE49-F238E27FC236}">
@@ -5861,7 +5836,7 @@
         </p:nvSpPr>
         <p:spPr>
           <a:xfrm>
-            <a:off x="838200" y="2176271"/>
+            <a:off x="685800" y="635337"/>
             <a:ext cx="6096000" cy="2031325"/>
           </a:xfrm>
           <a:prstGeom prst="rect">

--- a/opc-ua-examples.pptx
+++ b/opc-ua-examples.pptx
@@ -3578,7 +3578,7 @@
           <a:bodyPr/>
           <a:lstStyle/>
           <a:p>
-            <a:endParaRPr lang="en-CN"/>
+            <a:endParaRPr lang="en-CN" dirty="0"/>
           </a:p>
         </p:txBody>
       </p:sp>

--- a/opc-ua-examples.pptx
+++ b/opc-ua-examples.pptx
@@ -14,7 +14,8 @@
     <p:sldId id="260" r:id="rId8"/>
     <p:sldId id="261" r:id="rId9"/>
     <p:sldId id="265" r:id="rId10"/>
-    <p:sldId id="264" r:id="rId11"/>
+    <p:sldId id="266" r:id="rId11"/>
+    <p:sldId id="264" r:id="rId12"/>
   </p:sldIdLst>
   <p:sldSz cx="12192000" cy="6858000"/>
   <p:notesSz cx="6858000" cy="9144000"/>
@@ -113,6 +114,31 @@
       </a:defRPr>
     </a:lvl9pPr>
   </p:defaultTextStyle>
+  <p:extLst>
+    <p:ext uri="{521415D9-36F7-43E2-AB2F-B90AF26B5E84}">
+      <p14:sectionLst xmlns:p14="http://schemas.microsoft.com/office/powerpoint/2010/main">
+        <p14:section name="Default Section" id="{64271624-FF90-8646-873C-97A846DD08D7}">
+          <p14:sldIdLst>
+            <p14:sldId id="256"/>
+            <p14:sldId id="257"/>
+            <p14:sldId id="258"/>
+            <p14:sldId id="259"/>
+            <p14:sldId id="262"/>
+            <p14:sldId id="263"/>
+            <p14:sldId id="260"/>
+            <p14:sldId id="261"/>
+            <p14:sldId id="265"/>
+            <p14:sldId id="266"/>
+          </p14:sldIdLst>
+        </p14:section>
+        <p14:section name="Untitled Section" id="{71BC8DEE-3977-944B-9E57-E669F73FE78A}">
+          <p14:sldIdLst>
+            <p14:sldId id="264"/>
+          </p14:sldIdLst>
+        </p14:section>
+      </p14:sectionLst>
+    </p:ext>
+  </p:extLst>
 </p:presentation>
 </file>
 
@@ -3533,6 +3559,94 @@
           <p:cNvPr id="2" name="Title 1">
             <a:extLst>
               <a:ext uri="{FF2B5EF4-FFF2-40B4-BE49-F238E27FC236}">
+                <a16:creationId xmlns:a16="http://schemas.microsoft.com/office/drawing/2014/main" id="{CDCED819-3971-3245-ABC6-2B2E4BFC62A0}"/>
+              </a:ext>
+            </a:extLst>
+          </p:cNvPr>
+          <p:cNvSpPr>
+            <a:spLocks noGrp="1"/>
+          </p:cNvSpPr>
+          <p:nvPr>
+            <p:ph type="title"/>
+          </p:nvPr>
+        </p:nvSpPr>
+        <p:spPr/>
+        <p:txBody>
+          <a:bodyPr/>
+          <a:lstStyle/>
+          <a:p>
+            <a:r>
+              <a:rPr lang="en-CN" dirty="0"/>
+              <a:t>Anal</a:t>
+            </a:r>
+            <a:r>
+              <a:rPr lang="en-US" altLang="zh-CN" dirty="0" err="1"/>
+              <a:t>ysis</a:t>
+            </a:r>
+            <a:endParaRPr lang="en-CN" dirty="0"/>
+          </a:p>
+        </p:txBody>
+      </p:sp>
+      <p:sp>
+        <p:nvSpPr>
+          <p:cNvPr id="3" name="Content Placeholder 2">
+            <a:extLst>
+              <a:ext uri="{FF2B5EF4-FFF2-40B4-BE49-F238E27FC236}">
+                <a16:creationId xmlns:a16="http://schemas.microsoft.com/office/drawing/2014/main" id="{AEC0106C-6907-BF45-8B79-5D26DB78211D}"/>
+              </a:ext>
+            </a:extLst>
+          </p:cNvPr>
+          <p:cNvSpPr>
+            <a:spLocks noGrp="1"/>
+          </p:cNvSpPr>
+          <p:nvPr>
+            <p:ph idx="1"/>
+          </p:nvPr>
+        </p:nvSpPr>
+        <p:spPr/>
+        <p:txBody>
+          <a:bodyPr/>
+          <a:lstStyle/>
+          <a:p>
+            <a:endParaRPr lang="en-CN" dirty="0"/>
+          </a:p>
+        </p:txBody>
+      </p:sp>
+    </p:spTree>
+    <p:extLst>
+      <p:ext uri="{BB962C8B-B14F-4D97-AF65-F5344CB8AC3E}">
+        <p14:creationId xmlns:p14="http://schemas.microsoft.com/office/powerpoint/2010/main" val="731380475"/>
+      </p:ext>
+    </p:extLst>
+  </p:cSld>
+  <p:clrMapOvr>
+    <a:masterClrMapping/>
+  </p:clrMapOvr>
+</p:sld>
+</file>
+
+<file path=ppt/slides/slide11.xml><?xml version="1.0" encoding="utf-8"?>
+<p:sld xmlns:a="http://schemas.openxmlformats.org/drawingml/2006/main" xmlns:r="http://schemas.openxmlformats.org/officeDocument/2006/relationships" xmlns:p="http://schemas.openxmlformats.org/presentationml/2006/main">
+  <p:cSld>
+    <p:spTree>
+      <p:nvGrpSpPr>
+        <p:cNvPr id="1" name=""/>
+        <p:cNvGrpSpPr/>
+        <p:nvPr/>
+      </p:nvGrpSpPr>
+      <p:grpSpPr>
+        <a:xfrm>
+          <a:off x="0" y="0"/>
+          <a:ext cx="0" cy="0"/>
+          <a:chOff x="0" y="0"/>
+          <a:chExt cx="0" cy="0"/>
+        </a:xfrm>
+      </p:grpSpPr>
+      <p:sp>
+        <p:nvSpPr>
+          <p:cNvPr id="2" name="Title 1">
+            <a:extLst>
+              <a:ext uri="{FF2B5EF4-FFF2-40B4-BE49-F238E27FC236}">
                 <a16:creationId xmlns:a16="http://schemas.microsoft.com/office/drawing/2014/main" id="{CC4C1518-A068-524D-9F5A-5E29929F1352}"/>
               </a:ext>
             </a:extLst>
@@ -5034,7 +5148,7 @@
           <a:p>
             <a:r>
               <a:rPr lang="en-US" altLang="zh-CN" dirty="0"/>
-              <a:t>Store:</a:t>
+              <a:t>Storage:</a:t>
             </a:r>
             <a:r>
               <a:rPr lang="zh-CN" altLang="en-US" dirty="0"/>
